--- a/PPT FWD TNSDC 2025.pptx
+++ b/PPT FWD TNSDC 2025.pptx
@@ -2728,7 +2728,7 @@
         </p:nvSpPr>
         <p:spPr>
           <a:xfrm>
-            <a:off x="588042" y="2959518"/>
+            <a:off x="676275" y="2964241"/>
             <a:ext cx="10637421" cy="1569660"/>
           </a:xfrm>
           <a:prstGeom prst="rect">
@@ -2763,15 +2763,14 @@
             </a:r>
             <a:r>
               <a:rPr lang="en-US" sz="2400" dirty="0"/>
-              <a:t>: </a:t>
-            </a:r>
-            <a:r>
-              <a:rPr lang="en-IN" sz="2400" dirty="0"/>
-              <a:t>212405740/0E179362A85295D95E04626C67EC1108</a:t>
-            </a:r>
-            <a:endParaRPr lang="en-IN" sz="2400" dirty="0">
-              <a:cs typeface="Calibri"/>
-            </a:endParaRPr>
+              <a:t>:</a:t>
+            </a:r>
+            <a:r>
+              <a:rPr lang="en-IN" sz="2400" dirty="0">
+                <a:cs typeface="Calibri"/>
+              </a:rPr>
+              <a:t>0E179362A85295D95E04626C67EC1108</a:t>
+            </a:r>
           </a:p>
           <a:p>
             <a:r>
